--- a/resources/ppt-slides/the-stack.pptx
+++ b/resources/ppt-slides/the-stack.pptx
@@ -247,7 +247,7 @@
           <a:p>
             <a:fld id="{964302DC-9F53-934F-AE4D-0F1F197008C1}" type="datetimeFigureOut">
               <a:rPr lang="en-US" smtClean="0"/>
-              <a:t>2/2/24</a:t>
+              <a:t>2/9/24</a:t>
             </a:fld>
             <a:endParaRPr lang="en-US"/>
           </a:p>
@@ -417,7 +417,7 @@
           <a:p>
             <a:fld id="{964302DC-9F53-934F-AE4D-0F1F197008C1}" type="datetimeFigureOut">
               <a:rPr lang="en-US" smtClean="0"/>
-              <a:t>2/2/24</a:t>
+              <a:t>2/9/24</a:t>
             </a:fld>
             <a:endParaRPr lang="en-US"/>
           </a:p>
@@ -597,7 +597,7 @@
           <a:p>
             <a:fld id="{964302DC-9F53-934F-AE4D-0F1F197008C1}" type="datetimeFigureOut">
               <a:rPr lang="en-US" smtClean="0"/>
-              <a:t>2/2/24</a:t>
+              <a:t>2/9/24</a:t>
             </a:fld>
             <a:endParaRPr lang="en-US"/>
           </a:p>
@@ -767,7 +767,7 @@
           <a:p>
             <a:fld id="{964302DC-9F53-934F-AE4D-0F1F197008C1}" type="datetimeFigureOut">
               <a:rPr lang="en-US" smtClean="0"/>
-              <a:t>2/2/24</a:t>
+              <a:t>2/9/24</a:t>
             </a:fld>
             <a:endParaRPr lang="en-US"/>
           </a:p>
@@ -1011,7 +1011,7 @@
           <a:p>
             <a:fld id="{964302DC-9F53-934F-AE4D-0F1F197008C1}" type="datetimeFigureOut">
               <a:rPr lang="en-US" smtClean="0"/>
-              <a:t>2/2/24</a:t>
+              <a:t>2/9/24</a:t>
             </a:fld>
             <a:endParaRPr lang="en-US"/>
           </a:p>
@@ -1243,7 +1243,7 @@
           <a:p>
             <a:fld id="{964302DC-9F53-934F-AE4D-0F1F197008C1}" type="datetimeFigureOut">
               <a:rPr lang="en-US" smtClean="0"/>
-              <a:t>2/2/24</a:t>
+              <a:t>2/9/24</a:t>
             </a:fld>
             <a:endParaRPr lang="en-US"/>
           </a:p>
@@ -1610,7 +1610,7 @@
           <a:p>
             <a:fld id="{964302DC-9F53-934F-AE4D-0F1F197008C1}" type="datetimeFigureOut">
               <a:rPr lang="en-US" smtClean="0"/>
-              <a:t>2/2/24</a:t>
+              <a:t>2/9/24</a:t>
             </a:fld>
             <a:endParaRPr lang="en-US"/>
           </a:p>
@@ -1728,7 +1728,7 @@
           <a:p>
             <a:fld id="{964302DC-9F53-934F-AE4D-0F1F197008C1}" type="datetimeFigureOut">
               <a:rPr lang="en-US" smtClean="0"/>
-              <a:t>2/2/24</a:t>
+              <a:t>2/9/24</a:t>
             </a:fld>
             <a:endParaRPr lang="en-US"/>
           </a:p>
@@ -1823,7 +1823,7 @@
           <a:p>
             <a:fld id="{964302DC-9F53-934F-AE4D-0F1F197008C1}" type="datetimeFigureOut">
               <a:rPr lang="en-US" smtClean="0"/>
-              <a:t>2/2/24</a:t>
+              <a:t>2/9/24</a:t>
             </a:fld>
             <a:endParaRPr lang="en-US"/>
           </a:p>
@@ -2100,7 +2100,7 @@
           <a:p>
             <a:fld id="{964302DC-9F53-934F-AE4D-0F1F197008C1}" type="datetimeFigureOut">
               <a:rPr lang="en-US" smtClean="0"/>
-              <a:t>2/2/24</a:t>
+              <a:t>2/9/24</a:t>
             </a:fld>
             <a:endParaRPr lang="en-US"/>
           </a:p>
@@ -2357,7 +2357,7 @@
           <a:p>
             <a:fld id="{964302DC-9F53-934F-AE4D-0F1F197008C1}" type="datetimeFigureOut">
               <a:rPr lang="en-US" smtClean="0"/>
-              <a:t>2/2/24</a:t>
+              <a:t>2/9/24</a:t>
             </a:fld>
             <a:endParaRPr lang="en-US"/>
           </a:p>
@@ -2422,9 +2422,18 @@
 <p:sldMaster xmlns:a="http://schemas.openxmlformats.org/drawingml/2006/main" xmlns:r="http://schemas.openxmlformats.org/officeDocument/2006/relationships" xmlns:p="http://schemas.openxmlformats.org/presentationml/2006/main">
   <p:cSld>
     <p:bg>
-      <p:bgRef idx="1001">
-        <a:schemeClr val="bg1"/>
-      </p:bgRef>
+      <p:bgPr>
+        <a:blipFill dpi="0" rotWithShape="1">
+          <a:blip r:embed="rId13">
+            <a:lum/>
+          </a:blip>
+          <a:srcRect/>
+          <a:stretch>
+            <a:fillRect/>
+          </a:stretch>
+        </a:blipFill>
+        <a:effectLst/>
+      </p:bgPr>
     </p:bg>
     <p:spTree>
       <p:nvGrpSpPr>
@@ -2570,7 +2579,7 @@
           <a:p>
             <a:fld id="{964302DC-9F53-934F-AE4D-0F1F197008C1}" type="datetimeFigureOut">
               <a:rPr lang="en-US" smtClean="0"/>
-              <a:t>2/2/24</a:t>
+              <a:t>2/9/24</a:t>
             </a:fld>
             <a:endParaRPr lang="en-US"/>
           </a:p>
@@ -2961,20 +2970,6 @@
 <file path=ppt/slides/slide1.xml><?xml version="1.0" encoding="utf-8"?>
 <p:sld xmlns:a="http://schemas.openxmlformats.org/drawingml/2006/main" xmlns:r="http://schemas.openxmlformats.org/officeDocument/2006/relationships" xmlns:p="http://schemas.openxmlformats.org/presentationml/2006/main">
   <p:cSld>
-    <p:bg>
-      <p:bgPr>
-        <a:blipFill dpi="0" rotWithShape="1">
-          <a:blip r:embed="rId2">
-            <a:lum/>
-          </a:blip>
-          <a:srcRect/>
-          <a:stretch>
-            <a:fillRect/>
-          </a:stretch>
-        </a:blipFill>
-        <a:effectLst/>
-      </p:bgPr>
-    </p:bg>
     <p:spTree>
       <p:nvGrpSpPr>
         <p:cNvPr id="1" name=""/>
@@ -3098,7 +3093,7 @@
                     </a:schemeClr>
                   </a:solidFill>
                 </a:rPr>
-                <a:t>  int </a:t>
+                <a:t>    int </a:t>
               </a:r>
               <a:r>
                 <a:rPr lang="en-AU" sz="1400" dirty="0" err="1">
@@ -3134,7 +3129,7 @@
                     </a:schemeClr>
                   </a:solidFill>
                 </a:rPr>
-                <a:t>  WriteLine($"{name} and {</a:t>
+                <a:t>    WriteLine($"{name} and {</a:t>
               </a:r>
               <a:r>
                 <a:rPr lang="en-AU" sz="1400" dirty="0" err="1">
@@ -3262,7 +3257,7 @@
               <p:nvPr/>
             </p:nvPicPr>
             <p:blipFill>
-              <a:blip r:embed="rId3">
+              <a:blip r:embed="rId2">
                 <a:alphaModFix amt="30000"/>
               </a:blip>
               <a:stretch>
@@ -5053,7 +5048,7 @@
             <p:nvPr/>
           </p:nvPicPr>
           <p:blipFill>
-            <a:blip r:embed="rId4">
+            <a:blip r:embed="rId3">
               <a:alphaModFix/>
             </a:blip>
             <a:stretch>
@@ -5512,20 +5507,6 @@
 <file path=ppt/slides/slide2.xml><?xml version="1.0" encoding="utf-8"?>
 <p:sld xmlns:a="http://schemas.openxmlformats.org/drawingml/2006/main" xmlns:r="http://schemas.openxmlformats.org/officeDocument/2006/relationships" xmlns:p="http://schemas.openxmlformats.org/presentationml/2006/main">
   <p:cSld>
-    <p:bg>
-      <p:bgPr>
-        <a:blipFill dpi="0" rotWithShape="1">
-          <a:blip r:embed="rId2">
-            <a:lum/>
-          </a:blip>
-          <a:srcRect/>
-          <a:stretch>
-            <a:fillRect/>
-          </a:stretch>
-        </a:blipFill>
-        <a:effectLst/>
-      </p:bgPr>
-    </p:bg>
     <p:spTree>
       <p:nvGrpSpPr>
         <p:cNvPr id="1" name=""/>
@@ -5665,7 +5646,7 @@
                     </a:schemeClr>
                   </a:solidFill>
                 </a:rPr>
-                <a:t>  int </a:t>
+                <a:t>    int </a:t>
               </a:r>
               <a:r>
                 <a:rPr lang="en-AU" sz="1400" dirty="0" err="1">
@@ -5701,7 +5682,7 @@
                     </a:schemeClr>
                   </a:solidFill>
                 </a:rPr>
-                <a:t>  WriteLine($"{name} and {</a:t>
+                <a:t>    WriteLine($"{name} and {</a:t>
               </a:r>
               <a:r>
                 <a:rPr lang="en-AU" sz="1400" dirty="0" err="1">
@@ -5826,7 +5807,7 @@
               <p:nvPr/>
             </p:nvPicPr>
             <p:blipFill>
-              <a:blip r:embed="rId3">
+              <a:blip r:embed="rId2">
                 <a:alphaModFix amt="30000"/>
               </a:blip>
               <a:stretch>
@@ -7626,7 +7607,7 @@
             <p:nvPr/>
           </p:nvPicPr>
           <p:blipFill>
-            <a:blip r:embed="rId4">
+            <a:blip r:embed="rId3">
               <a:alphaModFix amt="30000"/>
             </a:blip>
             <a:stretch>
@@ -8391,20 +8372,6 @@
 <file path=ppt/slides/slide3.xml><?xml version="1.0" encoding="utf-8"?>
 <p:sld xmlns:a="http://schemas.openxmlformats.org/drawingml/2006/main" xmlns:r="http://schemas.openxmlformats.org/officeDocument/2006/relationships" xmlns:p="http://schemas.openxmlformats.org/presentationml/2006/main">
   <p:cSld>
-    <p:bg>
-      <p:bgPr>
-        <a:blipFill dpi="0" rotWithShape="1">
-          <a:blip r:embed="rId2">
-            <a:lum/>
-          </a:blip>
-          <a:srcRect/>
-          <a:stretch>
-            <a:fillRect/>
-          </a:stretch>
-        </a:blipFill>
-        <a:effectLst/>
-      </p:bgPr>
-    </p:bg>
     <p:spTree>
       <p:nvGrpSpPr>
         <p:cNvPr id="1" name=""/>
@@ -8534,7 +8501,7 @@
               </a:pPr>
               <a:r>
                 <a:rPr lang="en-AU" sz="1400" dirty="0"/>
-                <a:t>  int </a:t>
+                <a:t>    int </a:t>
               </a:r>
               <a:r>
                 <a:rPr lang="en-AU" sz="1400" dirty="0" err="1"/>
@@ -8552,7 +8519,7 @@
               </a:pPr>
               <a:r>
                 <a:rPr lang="en-AU" sz="1400" dirty="0"/>
-                <a:t>  WriteLine($"{name} and {</a:t>
+                <a:t>    WriteLine($"{name} and {</a:t>
               </a:r>
               <a:r>
                 <a:rPr lang="en-AU" sz="1400" dirty="0" err="1"/>
@@ -8665,7 +8632,7 @@
               <p:nvPr/>
             </p:nvPicPr>
             <p:blipFill>
-              <a:blip r:embed="rId3">
+              <a:blip r:embed="rId2">
                 <a:alphaModFix amt="30000"/>
               </a:blip>
               <a:stretch>
@@ -10456,7 +10423,7 @@
             <p:nvPr/>
           </p:nvPicPr>
           <p:blipFill>
-            <a:blip r:embed="rId4">
+            <a:blip r:embed="rId3">
               <a:alphaModFix/>
             </a:blip>
             <a:stretch>
@@ -11220,20 +11187,6 @@
 <file path=ppt/slides/slide4.xml><?xml version="1.0" encoding="utf-8"?>
 <p:sld xmlns:a="http://schemas.openxmlformats.org/drawingml/2006/main" xmlns:r="http://schemas.openxmlformats.org/officeDocument/2006/relationships" xmlns:p="http://schemas.openxmlformats.org/presentationml/2006/main">
   <p:cSld>
-    <p:bg>
-      <p:bgPr>
-        <a:blipFill dpi="0" rotWithShape="1">
-          <a:blip r:embed="rId2">
-            <a:lum/>
-          </a:blip>
-          <a:srcRect/>
-          <a:stretch>
-            <a:fillRect/>
-          </a:stretch>
-        </a:blipFill>
-        <a:effectLst/>
-      </p:bgPr>
-    </p:bg>
     <p:spTree>
       <p:nvGrpSpPr>
         <p:cNvPr id="1" name=""/>
@@ -11369,7 +11322,7 @@
                     </a:schemeClr>
                   </a:solidFill>
                 </a:rPr>
-                <a:t>  int </a:t>
+                <a:t>    int </a:t>
               </a:r>
               <a:r>
                 <a:rPr lang="en-AU" sz="1400" dirty="0" err="1">
@@ -11405,7 +11358,7 @@
                     </a:schemeClr>
                   </a:solidFill>
                 </a:rPr>
-                <a:t>  WriteLine($"{name} and {</a:t>
+                <a:t>    WriteLine($"{name} and {</a:t>
               </a:r>
               <a:r>
                 <a:rPr lang="en-AU" sz="1400" dirty="0" err="1">
@@ -11524,7 +11477,7 @@
               <p:nvPr/>
             </p:nvPicPr>
             <p:blipFill>
-              <a:blip r:embed="rId3">
+              <a:blip r:embed="rId2">
                 <a:alphaModFix amt="30000"/>
               </a:blip>
               <a:stretch>
@@ -13324,7 +13277,7 @@
             <p:nvPr/>
           </p:nvPicPr>
           <p:blipFill>
-            <a:blip r:embed="rId4">
+            <a:blip r:embed="rId3">
               <a:alphaModFix amt="30000"/>
             </a:blip>
             <a:stretch>
@@ -14402,20 +14355,6 @@
 <file path=ppt/slides/slide5.xml><?xml version="1.0" encoding="utf-8"?>
 <p:sld xmlns:a="http://schemas.openxmlformats.org/drawingml/2006/main" xmlns:r="http://schemas.openxmlformats.org/officeDocument/2006/relationships" xmlns:p="http://schemas.openxmlformats.org/presentationml/2006/main">
   <p:cSld>
-    <p:bg>
-      <p:bgPr>
-        <a:blipFill dpi="0" rotWithShape="1">
-          <a:blip r:embed="rId2">
-            <a:lum/>
-          </a:blip>
-          <a:srcRect/>
-          <a:stretch>
-            <a:fillRect/>
-          </a:stretch>
-        </a:blipFill>
-        <a:effectLst/>
-      </p:bgPr>
-    </p:bg>
     <p:spTree>
       <p:nvGrpSpPr>
         <p:cNvPr id="1" name=""/>
@@ -14551,7 +14490,7 @@
                     </a:schemeClr>
                   </a:solidFill>
                 </a:rPr>
-                <a:t>  int </a:t>
+                <a:t>    int </a:t>
               </a:r>
               <a:r>
                 <a:rPr lang="en-AU" sz="1400" dirty="0" err="1">
@@ -14587,7 +14526,7 @@
                     </a:schemeClr>
                   </a:solidFill>
                 </a:rPr>
-                <a:t>  WriteLine($"{name} and {</a:t>
+                <a:t>    WriteLine($"{name} and {</a:t>
               </a:r>
               <a:r>
                 <a:rPr lang="en-AU" sz="1400" dirty="0" err="1">
@@ -14694,7 +14633,7 @@
               <p:nvPr/>
             </p:nvPicPr>
             <p:blipFill>
-              <a:blip r:embed="rId3">
+              <a:blip r:embed="rId2">
                 <a:alphaModFix amt="30000"/>
               </a:blip>
               <a:stretch>
@@ -16485,7 +16424,7 @@
             <p:nvPr/>
           </p:nvPicPr>
           <p:blipFill>
-            <a:blip r:embed="rId4">
+            <a:blip r:embed="rId3">
               <a:alphaModFix/>
             </a:blip>
             <a:stretch>

--- a/resources/ppt-slides/the-stack.pptx
+++ b/resources/ppt-slides/the-stack.pptx
@@ -3048,7 +3048,7 @@
               </a:pPr>
               <a:r>
                 <a:rPr lang="en-AU" sz="1400" dirty="0"/>
-                <a:t>WriteLine($"We can access {name} here"); </a:t>
+                <a:t>write_line("We can access " + name + " here"); </a:t>
               </a:r>
             </a:p>
             <a:p>
@@ -3129,7 +3129,7 @@
                     </a:schemeClr>
                   </a:solidFill>
                 </a:rPr>
-                <a:t>    WriteLine($"{name} and {</a:t>
+                <a:t>    write_line(name + " and " + to_string(</a:t>
               </a:r>
               <a:r>
                 <a:rPr lang="en-AU" sz="1400" dirty="0" err="1">
@@ -3149,7 +3149,7 @@
                     </a:schemeClr>
                   </a:solidFill>
                 </a:rPr>
-                <a:t>} are accessible here");</a:t>
+                <a:t>) + " exist here");</a:t>
               </a:r>
             </a:p>
             <a:p>
@@ -3197,7 +3197,7 @@
                     </a:schemeClr>
                   </a:solidFill>
                 </a:rPr>
-                <a:t>WriteLine($"{name} but no </a:t>
+                <a:t>write_line(name + " but no </a:t>
               </a:r>
               <a:r>
                 <a:rPr lang="en-AU" sz="1400" dirty="0" err="1">
@@ -5450,7 +5450,7 @@
           <a:p>
             <a:r>
               <a:rPr lang="en-US" sz="1600" dirty="0"/>
-              <a:t>My name</a:t>
+              <a:t>My Name</a:t>
             </a:r>
           </a:p>
         </p:txBody>
@@ -5485,7 +5485,7 @@
           <a:p>
             <a:r>
               <a:rPr lang="en-AU" sz="1600" dirty="0"/>
-              <a:t>We can access My name here</a:t>
+              <a:t>We can access My Name here</a:t>
             </a:r>
             <a:endParaRPr lang="en-US" sz="1600" dirty="0"/>
           </a:p>
@@ -5597,7 +5597,7 @@
                     </a:schemeClr>
                   </a:solidFill>
                 </a:rPr>
-                <a:t>WriteLine($"We can access {name} here"); </a:t>
+                <a:t>write_line("We can access " + name + " here"); </a:t>
               </a:r>
             </a:p>
             <a:p>
@@ -5682,7 +5682,7 @@
                     </a:schemeClr>
                   </a:solidFill>
                 </a:rPr>
-                <a:t>    WriteLine($"{name} and {</a:t>
+                <a:t>    write_line(name + " and " + to_string(</a:t>
               </a:r>
               <a:r>
                 <a:rPr lang="en-AU" sz="1400" dirty="0" err="1">
@@ -5702,7 +5702,7 @@
                     </a:schemeClr>
                   </a:solidFill>
                 </a:rPr>
-                <a:t>} are accessible here");</a:t>
+                <a:t>) + " exist here");</a:t>
               </a:r>
             </a:p>
             <a:p>
@@ -5747,7 +5747,7 @@
                     </a:schemeClr>
                   </a:solidFill>
                 </a:rPr>
-                <a:t>WriteLine($"{name} but no </a:t>
+                <a:t>write_line(name + " but no </a:t>
               </a:r>
               <a:r>
                 <a:rPr lang="en-AU" sz="1400" dirty="0" err="1">
@@ -8023,7 +8023,7 @@
                   </a:schemeClr>
                 </a:solidFill>
               </a:rPr>
-              <a:t>My name</a:t>
+              <a:t>My Name</a:t>
             </a:r>
           </a:p>
         </p:txBody>
@@ -8064,7 +8064,7 @@
                   </a:schemeClr>
                 </a:solidFill>
               </a:rPr>
-              <a:t>We can access My name here</a:t>
+              <a:t>We can access My Name here</a:t>
             </a:r>
             <a:endParaRPr lang="en-US" sz="1600" dirty="0">
               <a:solidFill>
@@ -8462,7 +8462,7 @@
                     </a:schemeClr>
                   </a:solidFill>
                 </a:rPr>
-                <a:t>WriteLine($"We can access {name} here"); </a:t>
+                <a:t>write_line("We can access " + name + " here"); </a:t>
               </a:r>
             </a:p>
             <a:p>
@@ -8519,7 +8519,7 @@
               </a:pPr>
               <a:r>
                 <a:rPr lang="en-AU" sz="1400" dirty="0"/>
-                <a:t>    WriteLine($"{name} and {</a:t>
+                <a:t>    write_line(name + " and " + to_string(</a:t>
               </a:r>
               <a:r>
                 <a:rPr lang="en-AU" sz="1400" dirty="0" err="1"/>
@@ -8527,7 +8527,7 @@
               </a:r>
               <a:r>
                 <a:rPr lang="en-AU" sz="1400" dirty="0"/>
-                <a:t>} are accessible here");</a:t>
+                <a:t>) + " exist here");</a:t>
               </a:r>
             </a:p>
             <a:p>
@@ -8572,7 +8572,7 @@
                     </a:schemeClr>
                   </a:solidFill>
                 </a:rPr>
-                <a:t>WriteLine($"{name} but no </a:t>
+                <a:t>write_line(name + " but no </a:t>
               </a:r>
               <a:r>
                 <a:rPr lang="en-AU" sz="1400" dirty="0" err="1">
@@ -10825,7 +10825,7 @@
           <a:p>
             <a:r>
               <a:rPr lang="en-US" sz="1600" dirty="0"/>
-              <a:t>My name</a:t>
+              <a:t>My Name</a:t>
             </a:r>
           </a:p>
         </p:txBody>
@@ -10860,13 +10860,13 @@
           <a:p>
             <a:r>
               <a:rPr lang="en-AU" sz="1600" dirty="0"/>
-              <a:t>We can access My name here</a:t>
+              <a:t>We can access My Name here</a:t>
             </a:r>
           </a:p>
           <a:p>
             <a:r>
               <a:rPr lang="en-AU" sz="1600" dirty="0"/>
-              <a:t>My name and 0 are accessible here</a:t>
+              <a:t>My Name and 0 exist here</a:t>
             </a:r>
             <a:endParaRPr lang="en-US" sz="1600" dirty="0"/>
           </a:p>
@@ -11277,7 +11277,7 @@
                     </a:schemeClr>
                   </a:solidFill>
                 </a:rPr>
-                <a:t>WriteLine($"We can access {name} here"); </a:t>
+                <a:t>write_line("We can access " + name + " here"); </a:t>
               </a:r>
             </a:p>
             <a:p>
@@ -11358,7 +11358,7 @@
                     </a:schemeClr>
                   </a:solidFill>
                 </a:rPr>
-                <a:t>    WriteLine($"{name} and {</a:t>
+                <a:t>    write_line(name + " and " + to_string(</a:t>
               </a:r>
               <a:r>
                 <a:rPr lang="en-AU" sz="1400" dirty="0" err="1">
@@ -11378,7 +11378,7 @@
                     </a:schemeClr>
                   </a:solidFill>
                 </a:rPr>
-                <a:t>} are accessible here");</a:t>
+                <a:t>) + " exist here");</a:t>
               </a:r>
             </a:p>
             <a:p>
@@ -11417,7 +11417,7 @@
                     </a:schemeClr>
                   </a:solidFill>
                 </a:rPr>
-                <a:t>WriteLine($"{name} but no </a:t>
+                <a:t>write_line(name + " but no </a:t>
               </a:r>
               <a:r>
                 <a:rPr lang="en-AU" sz="1400" dirty="0" err="1">
@@ -13679,7 +13679,7 @@
           <a:p>
             <a:r>
               <a:rPr lang="en-US" sz="1600" dirty="0"/>
-              <a:t>My name</a:t>
+              <a:t>My Name</a:t>
             </a:r>
           </a:p>
         </p:txBody>
@@ -13944,7 +13944,7 @@
                   </a:schemeClr>
                 </a:solidFill>
               </a:rPr>
-              <a:t>We can access My name here</a:t>
+              <a:t>We can access My Name here</a:t>
             </a:r>
           </a:p>
           <a:p>
@@ -13956,7 +13956,7 @@
                   </a:schemeClr>
                 </a:solidFill>
               </a:rPr>
-              <a:t>My name and 0 are accessible here</a:t>
+              <a:t>My Name and 0 exist here</a:t>
             </a:r>
             <a:endParaRPr lang="en-US" sz="1600" dirty="0">
               <a:solidFill>
@@ -14445,7 +14445,7 @@
                     </a:schemeClr>
                   </a:solidFill>
                 </a:rPr>
-                <a:t>WriteLine($"We can access {name} here"); </a:t>
+                <a:t>write_line("We can access " + name + " here"); </a:t>
               </a:r>
             </a:p>
             <a:p>
@@ -14526,7 +14526,7 @@
                     </a:schemeClr>
                   </a:solidFill>
                 </a:rPr>
-                <a:t>    WriteLine($"{name} and {</a:t>
+                <a:t>    write_line(name + " and " + to_string(</a:t>
               </a:r>
               <a:r>
                 <a:rPr lang="en-AU" sz="1400" dirty="0" err="1">
@@ -14546,7 +14546,7 @@
                     </a:schemeClr>
                   </a:solidFill>
                 </a:rPr>
-                <a:t>} are accessible here</a:t>
+                <a:t>) + " exist here</a:t>
               </a:r>
             </a:p>
             <a:p>
@@ -14585,7 +14585,7 @@
               </a:pPr>
               <a:r>
                 <a:rPr lang="en-AU" sz="1400" dirty="0"/>
-                <a:t>WriteLine($"{name} but no </a:t>
+                <a:t>write_line(name + " but no </a:t>
               </a:r>
               <a:r>
                 <a:rPr lang="en-AU" sz="1400" dirty="0" err="1"/>
@@ -16826,7 +16826,7 @@
           <a:p>
             <a:r>
               <a:rPr lang="en-US" sz="1600" dirty="0"/>
-              <a:t>My name</a:t>
+              <a:t>My Name</a:t>
             </a:r>
           </a:p>
         </p:txBody>
@@ -16861,19 +16861,19 @@
           <a:p>
             <a:r>
               <a:rPr lang="en-AU" sz="1600" dirty="0"/>
-              <a:t>We can access My name here</a:t>
+              <a:t>We can access My Name here</a:t>
             </a:r>
           </a:p>
           <a:p>
             <a:r>
               <a:rPr lang="en-AU" sz="1600" dirty="0"/>
-              <a:t>My name and 0 are accessible here</a:t>
+              <a:t>My Name and 0 exist here</a:t>
             </a:r>
           </a:p>
           <a:p>
             <a:r>
               <a:rPr lang="en-AU" sz="1600" dirty="0"/>
-              <a:t>My name but no I here</a:t>
+              <a:t>My Name but no i here</a:t>
             </a:r>
             <a:endParaRPr lang="en-US" sz="1600" dirty="0"/>
           </a:p>
